--- a/PPT-27.pptx
+++ b/PPT-27.pptx
@@ -310,7 +310,7 @@
             <a:fld id="{B8DA9FCC-4BC7-42FA-8050-A667096EA74D}" type="datetimeFigureOut">
               <a:rPr lang="en-US" smtClean="0"/>
               <a:pPr/>
-              <a:t>9/27/2021</a:t>
+              <a:t>9/29/2021</a:t>
             </a:fld>
             <a:endParaRPr lang="en-US"/>
           </a:p>
@@ -477,7 +477,7 @@
             <a:fld id="{B8DA9FCC-4BC7-42FA-8050-A667096EA74D}" type="datetimeFigureOut">
               <a:rPr lang="en-US" smtClean="0"/>
               <a:pPr/>
-              <a:t>9/27/2021</a:t>
+              <a:t>9/29/2021</a:t>
             </a:fld>
             <a:endParaRPr lang="en-US"/>
           </a:p>
@@ -654,7 +654,7 @@
             <a:fld id="{B8DA9FCC-4BC7-42FA-8050-A667096EA74D}" type="datetimeFigureOut">
               <a:rPr lang="en-US" smtClean="0"/>
               <a:pPr/>
-              <a:t>9/27/2021</a:t>
+              <a:t>9/29/2021</a:t>
             </a:fld>
             <a:endParaRPr lang="en-US"/>
           </a:p>
@@ -821,7 +821,7 @@
             <a:fld id="{B8DA9FCC-4BC7-42FA-8050-A667096EA74D}" type="datetimeFigureOut">
               <a:rPr lang="en-US" smtClean="0"/>
               <a:pPr/>
-              <a:t>9/27/2021</a:t>
+              <a:t>9/29/2021</a:t>
             </a:fld>
             <a:endParaRPr lang="en-US"/>
           </a:p>
@@ -1064,7 +1064,7 @@
             <a:fld id="{B8DA9FCC-4BC7-42FA-8050-A667096EA74D}" type="datetimeFigureOut">
               <a:rPr lang="en-US" smtClean="0"/>
               <a:pPr/>
-              <a:t>9/27/2021</a:t>
+              <a:t>9/29/2021</a:t>
             </a:fld>
             <a:endParaRPr lang="en-US"/>
           </a:p>
@@ -1349,7 +1349,7 @@
             <a:fld id="{B8DA9FCC-4BC7-42FA-8050-A667096EA74D}" type="datetimeFigureOut">
               <a:rPr lang="en-US" smtClean="0"/>
               <a:pPr/>
-              <a:t>9/27/2021</a:t>
+              <a:t>9/29/2021</a:t>
             </a:fld>
             <a:endParaRPr lang="en-US"/>
           </a:p>
@@ -1768,7 +1768,7 @@
             <a:fld id="{B8DA9FCC-4BC7-42FA-8050-A667096EA74D}" type="datetimeFigureOut">
               <a:rPr lang="en-US" smtClean="0"/>
               <a:pPr/>
-              <a:t>9/27/2021</a:t>
+              <a:t>9/29/2021</a:t>
             </a:fld>
             <a:endParaRPr lang="en-US"/>
           </a:p>
@@ -1883,7 +1883,7 @@
             <a:fld id="{B8DA9FCC-4BC7-42FA-8050-A667096EA74D}" type="datetimeFigureOut">
               <a:rPr lang="en-US" smtClean="0"/>
               <a:pPr/>
-              <a:t>9/27/2021</a:t>
+              <a:t>9/29/2021</a:t>
             </a:fld>
             <a:endParaRPr lang="en-US"/>
           </a:p>
@@ -1975,7 +1975,7 @@
             <a:fld id="{B8DA9FCC-4BC7-42FA-8050-A667096EA74D}" type="datetimeFigureOut">
               <a:rPr lang="en-US" smtClean="0"/>
               <a:pPr/>
-              <a:t>9/27/2021</a:t>
+              <a:t>9/29/2021</a:t>
             </a:fld>
             <a:endParaRPr lang="en-US"/>
           </a:p>
@@ -2249,7 +2249,7 @@
             <a:fld id="{B8DA9FCC-4BC7-42FA-8050-A667096EA74D}" type="datetimeFigureOut">
               <a:rPr lang="en-US" smtClean="0"/>
               <a:pPr/>
-              <a:t>9/27/2021</a:t>
+              <a:t>9/29/2021</a:t>
             </a:fld>
             <a:endParaRPr lang="en-US"/>
           </a:p>
@@ -2499,7 +2499,7 @@
             <a:fld id="{B8DA9FCC-4BC7-42FA-8050-A667096EA74D}" type="datetimeFigureOut">
               <a:rPr lang="en-US" smtClean="0"/>
               <a:pPr/>
-              <a:t>9/27/2021</a:t>
+              <a:t>9/29/2021</a:t>
             </a:fld>
             <a:endParaRPr lang="en-US"/>
           </a:p>
@@ -2709,7 +2709,7 @@
             <a:fld id="{B8DA9FCC-4BC7-42FA-8050-A667096EA74D}" type="datetimeFigureOut">
               <a:rPr lang="en-US" smtClean="0"/>
               <a:pPr/>
-              <a:t>9/27/2021</a:t>
+              <a:t>9/29/2021</a:t>
             </a:fld>
             <a:endParaRPr lang="en-US"/>
           </a:p>
@@ -3430,13 +3430,8 @@
           <a:p>
             <a:r>
               <a:rPr lang="en-US" dirty="0" smtClean="0"/>
-              <a:t> </a:t>
-            </a:r>
-            <a:r>
-              <a:rPr lang="en-US" dirty="0" smtClean="0"/>
-              <a:t>4</a:t>
-            </a:r>
-            <a:endParaRPr lang="en-US" dirty="0" smtClean="0"/>
+              <a:t> 4</a:t>
+            </a:r>
           </a:p>
           <a:p>
             <a:r>
@@ -3886,7 +3881,7 @@
         </p:blipFill>
         <p:spPr bwMode="auto">
           <a:xfrm>
-            <a:off x="838200" y="1219200"/>
+            <a:off x="914400" y="1219200"/>
             <a:ext cx="7467600" cy="5063758"/>
           </a:xfrm>
           <a:prstGeom prst="rect">
@@ -3971,15 +3966,7 @@
             </a:r>
             <a:r>
               <a:rPr lang="en-US" dirty="0" smtClean="0"/>
-              <a:t>. In vectors, data is inserted at the </a:t>
-            </a:r>
-            <a:r>
-              <a:rPr lang="en-US" dirty="0" smtClean="0"/>
-              <a:t>end. </a:t>
-            </a:r>
-            <a:r>
-              <a:rPr lang="en-US" dirty="0" smtClean="0"/>
-              <a:t>Removing the last element takes only constant time because no resizing happens. Inserting and erasing at the beginning or in the middle is linear in time.</a:t>
+              <a:t>. In vectors, data is inserted at the end. Removing the last element takes only constant time because no resizing happens. Inserting and erasing at the beginning or in the middle is linear in time.</a:t>
             </a:r>
           </a:p>
           <a:p>
@@ -4743,15 +4730,7 @@
             </a:pPr>
             <a:r>
               <a:rPr lang="en-US" dirty="0" smtClean="0"/>
-              <a:t>	</a:t>
-            </a:r>
-            <a:r>
-              <a:rPr lang="en-US" dirty="0" smtClean="0"/>
-              <a:t>sum = </a:t>
-            </a:r>
-            <a:r>
-              <a:rPr lang="en-US" dirty="0" smtClean="0"/>
-              <a:t>13</a:t>
+              <a:t>	sum = 13</a:t>
             </a:r>
           </a:p>
           <a:p>
@@ -4932,7 +4911,6 @@
               <a:rPr lang="en-US" dirty="0" smtClean="0"/>
               <a:t>a[1,1,1,2]</a:t>
             </a:r>
-            <a:endParaRPr lang="en-US" dirty="0" smtClean="0"/>
           </a:p>
           <a:p>
             <a:endParaRPr lang="en-US" dirty="0"/>
@@ -5013,19 +4991,7 @@
           <a:p>
             <a:r>
               <a:rPr lang="en-US" dirty="0" smtClean="0"/>
-              <a:t>a[5] </a:t>
-            </a:r>
-            <a:r>
-              <a:rPr lang="en-US" dirty="0" smtClean="0"/>
-              <a:t>= </a:t>
-            </a:r>
-            <a:r>
-              <a:rPr lang="en-US" dirty="0" smtClean="0"/>
-              <a:t>{2,3,3,4,1</a:t>
-            </a:r>
-            <a:r>
-              <a:rPr lang="en-US" dirty="0" smtClean="0"/>
-              <a:t>};</a:t>
+              <a:t>a[5] = {2,3,3,4,1};</a:t>
             </a:r>
           </a:p>
           <a:p>
